--- a/Fig/控制舵面.pptx
+++ b/Fig/控制舵面.pptx
@@ -6458,19 +6458,19 @@
           <p:nvPr/>
         </p:nvGraphicFramePr>
         <p:xfrm>
-          <a:off x="617538" y="247650"/>
-          <a:ext cx="203200" cy="190500"/>
+          <a:off x="623888" y="247650"/>
+          <a:ext cx="190500" cy="190500"/>
         </p:xfrm>
         <a:graphic>
           <a:graphicData uri="http://schemas.openxmlformats.org/presentationml/2006/ole">
             <mc:AlternateContent xmlns:mc="http://schemas.openxmlformats.org/markup-compatibility/2006">
               <mc:Choice xmlns:v="urn:schemas-microsoft-com:vml" Requires="v">
-                <p:oleObj spid="_x0000_s3076" name="" r:id="rId10" imgW="203200" imgH="190500" progId="DSEquations">
+                <p:oleObj spid="_x0000_s3076" name="" r:id="rId10" imgW="190500" imgH="190500" progId="DSEquations">
                   <p:embed/>
                 </p:oleObj>
               </mc:Choice>
               <mc:Fallback>
-                <p:oleObj name="" r:id="rId10" imgW="203200" imgH="190500" progId="DSEquations">
+                <p:oleObj name="" r:id="rId10" imgW="190500" imgH="190500" progId="DSEquations">
                   <p:embed/>
                   <p:pic>
                     <p:nvPicPr>
@@ -6486,8 +6486,8 @@
                     </p:blipFill>
                     <p:spPr>
                       <a:xfrm>
-                        <a:off x="617538" y="247650"/>
-                        <a:ext cx="203200" cy="190500"/>
+                        <a:off x="623888" y="247650"/>
+                        <a:ext cx="190500" cy="190500"/>
                       </a:xfrm>
                       <a:prstGeom prst="rect">
                         <a:avLst/>
@@ -6514,19 +6514,19 @@
           <p:nvPr/>
         </p:nvGraphicFramePr>
         <p:xfrm>
-          <a:off x="26670" y="368935"/>
-          <a:ext cx="152400" cy="190500"/>
+          <a:off x="20320" y="368935"/>
+          <a:ext cx="165100" cy="190500"/>
         </p:xfrm>
         <a:graphic>
           <a:graphicData uri="http://schemas.openxmlformats.org/presentationml/2006/ole">
             <mc:AlternateContent xmlns:mc="http://schemas.openxmlformats.org/markup-compatibility/2006">
               <mc:Choice xmlns:v="urn:schemas-microsoft-com:vml" Requires="v">
-                <p:oleObj spid="_x0000_s20" name="" r:id="rId12" imgW="152400" imgH="190500" progId="DSEquations">
+                <p:oleObj spid="_x0000_s20" name="" r:id="rId12" imgW="165100" imgH="190500" progId="DSEquations">
                   <p:embed/>
                 </p:oleObj>
               </mc:Choice>
               <mc:Fallback>
-                <p:oleObj name="" r:id="rId12" imgW="152400" imgH="190500" progId="DSEquations">
+                <p:oleObj name="" r:id="rId12" imgW="165100" imgH="190500" progId="DSEquations">
                   <p:embed/>
                   <p:pic>
                     <p:nvPicPr>
@@ -6542,8 +6542,8 @@
                     </p:blipFill>
                     <p:spPr>
                       <a:xfrm>
-                        <a:off x="26670" y="368935"/>
-                        <a:ext cx="152400" cy="190500"/>
+                        <a:off x="20320" y="368935"/>
+                        <a:ext cx="165100" cy="190500"/>
                       </a:xfrm>
                       <a:prstGeom prst="rect">
                         <a:avLst/>
@@ -6570,19 +6570,19 @@
           <p:nvPr/>
         </p:nvGraphicFramePr>
         <p:xfrm>
-          <a:off x="1350328" y="1098550"/>
-          <a:ext cx="139700" cy="190500"/>
+          <a:off x="1356678" y="1098550"/>
+          <a:ext cx="127000" cy="190500"/>
         </p:xfrm>
         <a:graphic>
           <a:graphicData uri="http://schemas.openxmlformats.org/presentationml/2006/ole">
             <mc:AlternateContent xmlns:mc="http://schemas.openxmlformats.org/markup-compatibility/2006">
               <mc:Choice xmlns:v="urn:schemas-microsoft-com:vml" Requires="v">
-                <p:oleObj spid="_x0000_s40" name="" r:id="rId14" imgW="139700" imgH="190500" progId="DSEquations">
+                <p:oleObj spid="_x0000_s40" name="" r:id="rId14" imgW="127000" imgH="190500" progId="DSEquations">
                   <p:embed/>
                 </p:oleObj>
               </mc:Choice>
               <mc:Fallback>
-                <p:oleObj name="" r:id="rId14" imgW="139700" imgH="190500" progId="DSEquations">
+                <p:oleObj name="" r:id="rId14" imgW="127000" imgH="190500" progId="DSEquations">
                   <p:embed/>
                   <p:pic>
                     <p:nvPicPr>
@@ -6598,8 +6598,8 @@
                     </p:blipFill>
                     <p:spPr>
                       <a:xfrm>
-                        <a:off x="1350328" y="1098550"/>
-                        <a:ext cx="139700" cy="190500"/>
+                        <a:off x="1356678" y="1098550"/>
+                        <a:ext cx="127000" cy="190500"/>
                       </a:xfrm>
                       <a:prstGeom prst="rect">
                         <a:avLst/>
@@ -6936,19 +6936,19 @@
           <p:nvPr/>
         </p:nvGraphicFramePr>
         <p:xfrm>
-          <a:off x="1726248" y="1292860"/>
-          <a:ext cx="114300" cy="190500"/>
+          <a:off x="1732598" y="1292860"/>
+          <a:ext cx="101600" cy="190500"/>
         </p:xfrm>
         <a:graphic>
           <a:graphicData uri="http://schemas.openxmlformats.org/presentationml/2006/ole">
             <mc:AlternateContent xmlns:mc="http://schemas.openxmlformats.org/markup-compatibility/2006">
               <mc:Choice xmlns:v="urn:schemas-microsoft-com:vml" Requires="v">
-                <p:oleObj spid="_x0000_s40" name="" r:id="rId2" imgW="114300" imgH="190500" progId="DSEquations">
+                <p:oleObj spid="_x0000_s40" name="" r:id="rId2" imgW="101600" imgH="190500" progId="DSEquations">
                   <p:embed/>
                 </p:oleObj>
               </mc:Choice>
               <mc:Fallback>
-                <p:oleObj name="" r:id="rId2" imgW="114300" imgH="190500" progId="DSEquations">
+                <p:oleObj name="" r:id="rId2" imgW="101600" imgH="190500" progId="DSEquations">
                   <p:embed/>
                   <p:pic>
                     <p:nvPicPr>
@@ -6964,8 +6964,8 @@
                     </p:blipFill>
                     <p:spPr>
                       <a:xfrm>
-                        <a:off x="1726248" y="1292860"/>
-                        <a:ext cx="114300" cy="190500"/>
+                        <a:off x="1732598" y="1292860"/>
+                        <a:ext cx="101600" cy="190500"/>
                       </a:xfrm>
                       <a:prstGeom prst="rect">
                         <a:avLst/>
